--- a/OPCPP/presentations/05_prezentace_OPR_dedicnost.pptx
+++ b/OPCPP/presentations/05_prezentace_OPR_dedicnost.pptx
@@ -62,29 +62,22 @@
       <p:bold r:id="rId49"/>
     </p:embeddedFont>
     <p:embeddedFont>
-      <p:font typeface="Calibri" panose="020F0502020204030204" pitchFamily="34" charset="0"/>
+      <p:font typeface="Consolas" panose="020B0609020204030204" pitchFamily="49" charset="0"/>
       <p:regular r:id="rId50"/>
       <p:bold r:id="rId51"/>
       <p:italic r:id="rId52"/>
       <p:boldItalic r:id="rId53"/>
     </p:embeddedFont>
     <p:embeddedFont>
-      <p:font typeface="Consolas" panose="020B0609020204030204" pitchFamily="49" charset="0"/>
+      <p:font typeface="Source sans Pro" panose="020B0503030403020204" pitchFamily="34" charset="0"/>
       <p:regular r:id="rId54"/>
       <p:bold r:id="rId55"/>
       <p:italic r:id="rId56"/>
       <p:boldItalic r:id="rId57"/>
     </p:embeddedFont>
     <p:embeddedFont>
-      <p:font typeface="Source sans Pro" panose="020B0503030403020204" pitchFamily="34" charset="0"/>
-      <p:regular r:id="rId58"/>
-      <p:bold r:id="rId59"/>
-      <p:italic r:id="rId60"/>
-      <p:boldItalic r:id="rId61"/>
-    </p:embeddedFont>
-    <p:embeddedFont>
-      <p:font typeface="Source Sans Pro Bold" panose="020B0703030403020204" pitchFamily="34" charset="0"/>
-      <p:bold r:id="rId62"/>
+      <p:font typeface="Source Sans Pro Bold" panose="020B0703030403020204" charset="-18"/>
+      <p:bold r:id="rId58"/>
     </p:embeddedFont>
   </p:embeddedFontLst>
   <p:defaultTextStyle>
@@ -211,53 +204,6 @@
 
 <file path=ppt/changesInfos/changesInfo1.xml><?xml version="1.0" encoding="utf-8"?>
 <pc:chgInfo xmlns:a="http://schemas.openxmlformats.org/drawingml/2006/main" xmlns:r="http://schemas.openxmlformats.org/officeDocument/2006/relationships" xmlns:ac="http://schemas.microsoft.com/office/drawing/2013/main/command" xmlns:pc="http://schemas.microsoft.com/office/powerpoint/2013/main/command">
-  <pc:docChgLst>
-    <pc:chgData name="Erik Král" userId="e92e8e71-05aa-4c44-9728-5ff1a0a20d65" providerId="ADAL" clId="{83473741-EE61-4BD6-B2FA-B06870370DC5}"/>
-    <pc:docChg chg="addSld modSld">
-      <pc:chgData name="Erik Král" userId="e92e8e71-05aa-4c44-9728-5ff1a0a20d65" providerId="ADAL" clId="{83473741-EE61-4BD6-B2FA-B06870370DC5}" dt="2020-03-25T16:21:49.822" v="68" actId="20577"/>
-      <pc:docMkLst>
-        <pc:docMk/>
-      </pc:docMkLst>
-      <pc:sldChg chg="modSp">
-        <pc:chgData name="Erik Král" userId="e92e8e71-05aa-4c44-9728-5ff1a0a20d65" providerId="ADAL" clId="{83473741-EE61-4BD6-B2FA-B06870370DC5}" dt="2020-03-25T16:21:49.822" v="68" actId="20577"/>
-        <pc:sldMkLst>
-          <pc:docMk/>
-          <pc:sldMk cId="2405104078" sldId="412"/>
-        </pc:sldMkLst>
-        <pc:spChg chg="mod">
-          <ac:chgData name="Erik Král" userId="e92e8e71-05aa-4c44-9728-5ff1a0a20d65" providerId="ADAL" clId="{83473741-EE61-4BD6-B2FA-B06870370DC5}" dt="2020-03-25T16:21:49.822" v="68" actId="20577"/>
-          <ac:spMkLst>
-            <pc:docMk/>
-            <pc:sldMk cId="2405104078" sldId="412"/>
-            <ac:spMk id="6" creationId="{5814A2B5-53B4-4658-8602-3F06547EC787}"/>
-          </ac:spMkLst>
-        </pc:spChg>
-      </pc:sldChg>
-      <pc:sldChg chg="modSp add">
-        <pc:chgData name="Erik Král" userId="e92e8e71-05aa-4c44-9728-5ff1a0a20d65" providerId="ADAL" clId="{83473741-EE61-4BD6-B2FA-B06870370DC5}" dt="2020-03-25T16:21:15.943" v="61" actId="20577"/>
-        <pc:sldMkLst>
-          <pc:docMk/>
-          <pc:sldMk cId="577431067" sldId="429"/>
-        </pc:sldMkLst>
-        <pc:spChg chg="mod">
-          <ac:chgData name="Erik Král" userId="e92e8e71-05aa-4c44-9728-5ff1a0a20d65" providerId="ADAL" clId="{83473741-EE61-4BD6-B2FA-B06870370DC5}" dt="2020-03-25T16:21:15.943" v="61" actId="20577"/>
-          <ac:spMkLst>
-            <pc:docMk/>
-            <pc:sldMk cId="577431067" sldId="429"/>
-            <ac:spMk id="2" creationId="{E6C9A42F-4A7A-4101-92B0-F54401D2D59C}"/>
-          </ac:spMkLst>
-        </pc:spChg>
-        <pc:spChg chg="mod">
-          <ac:chgData name="Erik Král" userId="e92e8e71-05aa-4c44-9728-5ff1a0a20d65" providerId="ADAL" clId="{83473741-EE61-4BD6-B2FA-B06870370DC5}" dt="2020-03-25T16:20:39.980" v="60" actId="20577"/>
-          <ac:spMkLst>
-            <pc:docMk/>
-            <pc:sldMk cId="577431067" sldId="429"/>
-            <ac:spMk id="3" creationId="{6FE21B19-3450-4B40-95ED-AB0FEF28B21C}"/>
-          </ac:spMkLst>
-        </pc:spChg>
-      </pc:sldChg>
-    </pc:docChg>
-  </pc:docChgLst>
   <pc:docChgLst>
     <pc:chgData name="Erik Král" userId="e92e8e71-05aa-4c44-9728-5ff1a0a20d65" providerId="ADAL" clId="{E39E7110-9574-4425-9A45-FA2C62998410}"/>
     <pc:docChg chg="undo custSel addSld delSld modSld sldOrd">
@@ -1799,6 +1745,53 @@
       </pc:sldChg>
     </pc:docChg>
   </pc:docChgLst>
+  <pc:docChgLst>
+    <pc:chgData name="Erik Král" userId="e92e8e71-05aa-4c44-9728-5ff1a0a20d65" providerId="ADAL" clId="{83473741-EE61-4BD6-B2FA-B06870370DC5}"/>
+    <pc:docChg chg="addSld modSld">
+      <pc:chgData name="Erik Král" userId="e92e8e71-05aa-4c44-9728-5ff1a0a20d65" providerId="ADAL" clId="{83473741-EE61-4BD6-B2FA-B06870370DC5}" dt="2020-03-25T16:21:49.822" v="68" actId="20577"/>
+      <pc:docMkLst>
+        <pc:docMk/>
+      </pc:docMkLst>
+      <pc:sldChg chg="modSp">
+        <pc:chgData name="Erik Král" userId="e92e8e71-05aa-4c44-9728-5ff1a0a20d65" providerId="ADAL" clId="{83473741-EE61-4BD6-B2FA-B06870370DC5}" dt="2020-03-25T16:21:49.822" v="68" actId="20577"/>
+        <pc:sldMkLst>
+          <pc:docMk/>
+          <pc:sldMk cId="2405104078" sldId="412"/>
+        </pc:sldMkLst>
+        <pc:spChg chg="mod">
+          <ac:chgData name="Erik Král" userId="e92e8e71-05aa-4c44-9728-5ff1a0a20d65" providerId="ADAL" clId="{83473741-EE61-4BD6-B2FA-B06870370DC5}" dt="2020-03-25T16:21:49.822" v="68" actId="20577"/>
+          <ac:spMkLst>
+            <pc:docMk/>
+            <pc:sldMk cId="2405104078" sldId="412"/>
+            <ac:spMk id="6" creationId="{5814A2B5-53B4-4658-8602-3F06547EC787}"/>
+          </ac:spMkLst>
+        </pc:spChg>
+      </pc:sldChg>
+      <pc:sldChg chg="modSp add">
+        <pc:chgData name="Erik Král" userId="e92e8e71-05aa-4c44-9728-5ff1a0a20d65" providerId="ADAL" clId="{83473741-EE61-4BD6-B2FA-B06870370DC5}" dt="2020-03-25T16:21:15.943" v="61" actId="20577"/>
+        <pc:sldMkLst>
+          <pc:docMk/>
+          <pc:sldMk cId="577431067" sldId="429"/>
+        </pc:sldMkLst>
+        <pc:spChg chg="mod">
+          <ac:chgData name="Erik Král" userId="e92e8e71-05aa-4c44-9728-5ff1a0a20d65" providerId="ADAL" clId="{83473741-EE61-4BD6-B2FA-B06870370DC5}" dt="2020-03-25T16:21:15.943" v="61" actId="20577"/>
+          <ac:spMkLst>
+            <pc:docMk/>
+            <pc:sldMk cId="577431067" sldId="429"/>
+            <ac:spMk id="2" creationId="{E6C9A42F-4A7A-4101-92B0-F54401D2D59C}"/>
+          </ac:spMkLst>
+        </pc:spChg>
+        <pc:spChg chg="mod">
+          <ac:chgData name="Erik Král" userId="e92e8e71-05aa-4c44-9728-5ff1a0a20d65" providerId="ADAL" clId="{83473741-EE61-4BD6-B2FA-B06870370DC5}" dt="2020-03-25T16:20:39.980" v="60" actId="20577"/>
+          <ac:spMkLst>
+            <pc:docMk/>
+            <pc:sldMk cId="577431067" sldId="429"/>
+            <ac:spMk id="3" creationId="{6FE21B19-3450-4B40-95ED-AB0FEF28B21C}"/>
+          </ac:spMkLst>
+        </pc:spChg>
+      </pc:sldChg>
+    </pc:docChg>
+  </pc:docChgLst>
 </pc:chgInfo>
 </file>
 
@@ -1884,7 +1877,7 @@
           <a:p>
             <a:fld id="{78D9B9CC-48FD-46F0-BE95-57B0AFA539FB}" type="datetimeFigureOut">
               <a:rPr lang="cs-CZ" smtClean="0"/>
-              <a:t>25.03.2020</a:t>
+              <a:t>10.09.2024</a:t>
             </a:fld>
             <a:endParaRPr lang="cs-CZ"/>
           </a:p>
@@ -2050,7 +2043,7 @@
           <a:p>
             <a:fld id="{36B19B4E-FAE7-4854-9018-49E74BACA333}" type="datetimeFigureOut">
               <a:rPr lang="cs-CZ" smtClean="0"/>
-              <a:t>25.03.2020</a:t>
+              <a:t>10.09.2024</a:t>
             </a:fld>
             <a:endParaRPr lang="cs-CZ"/>
           </a:p>
@@ -2632,7 +2625,7 @@
           <a:p>
             <a:fld id="{2A00D43F-1BD7-40AF-BDDD-E07D0899E91B}" type="datetime1">
               <a:rPr lang="cs-CZ" smtClean="0"/>
-              <a:t>25.03.2020</a:t>
+              <a:t>10.09.2024</a:t>
             </a:fld>
             <a:endParaRPr lang="cs-CZ"/>
           </a:p>
@@ -2805,7 +2798,7 @@
           <a:p>
             <a:fld id="{031414FA-42EF-40A4-8A89-50638B7D11A5}" type="datetime1">
               <a:rPr lang="cs-CZ" smtClean="0"/>
-              <a:t>25.03.2020</a:t>
+              <a:t>10.09.2024</a:t>
             </a:fld>
             <a:endParaRPr lang="cs-CZ"/>
           </a:p>
@@ -2988,7 +2981,7 @@
           <a:p>
             <a:fld id="{D600A421-0954-421A-BA49-D9588F09156A}" type="datetime1">
               <a:rPr lang="cs-CZ" smtClean="0"/>
-              <a:t>25.03.2020</a:t>
+              <a:t>10.09.2024</a:t>
             </a:fld>
             <a:endParaRPr lang="cs-CZ"/>
           </a:p>
@@ -3161,7 +3154,7 @@
           <a:p>
             <a:fld id="{C8CFF63A-F393-47F6-B534-43E800AB7445}" type="datetime1">
               <a:rPr lang="cs-CZ" smtClean="0"/>
-              <a:t>25.03.2020</a:t>
+              <a:t>10.09.2024</a:t>
             </a:fld>
             <a:endParaRPr lang="cs-CZ"/>
           </a:p>
@@ -3410,7 +3403,7 @@
           <a:p>
             <a:fld id="{C350E0D1-8410-4A3F-84E8-26742A190F02}" type="datetime1">
               <a:rPr lang="cs-CZ" smtClean="0"/>
-              <a:t>25.03.2020</a:t>
+              <a:t>10.09.2024</a:t>
             </a:fld>
             <a:endParaRPr lang="cs-CZ"/>
           </a:p>
@@ -3701,7 +3694,7 @@
           <a:p>
             <a:fld id="{75EC03C0-EDEF-418C-841F-64E45E8364A7}" type="datetime1">
               <a:rPr lang="cs-CZ" smtClean="0"/>
-              <a:t>25.03.2020</a:t>
+              <a:t>10.09.2024</a:t>
             </a:fld>
             <a:endParaRPr lang="cs-CZ"/>
           </a:p>
@@ -4126,7 +4119,7 @@
           <a:p>
             <a:fld id="{38711C53-9D0F-452E-AF59-9817645EC6BC}" type="datetime1">
               <a:rPr lang="cs-CZ" smtClean="0"/>
-              <a:t>25.03.2020</a:t>
+              <a:t>10.09.2024</a:t>
             </a:fld>
             <a:endParaRPr lang="cs-CZ"/>
           </a:p>
@@ -4247,7 +4240,7 @@
           <a:p>
             <a:fld id="{50C35472-8FE8-49A1-A52D-ACC4CFDAC287}" type="datetime1">
               <a:rPr lang="cs-CZ" smtClean="0"/>
-              <a:t>25.03.2020</a:t>
+              <a:t>10.09.2024</a:t>
             </a:fld>
             <a:endParaRPr lang="cs-CZ"/>
           </a:p>
@@ -4345,7 +4338,7 @@
           <a:p>
             <a:fld id="{5982F93C-1D3C-4D9D-B0F9-303D9E71AD6A}" type="datetime1">
               <a:rPr lang="cs-CZ" smtClean="0"/>
-              <a:t>25.03.2020</a:t>
+              <a:t>10.09.2024</a:t>
             </a:fld>
             <a:endParaRPr lang="cs-CZ"/>
           </a:p>
@@ -4625,7 +4618,7 @@
           <a:p>
             <a:fld id="{B3DFFE23-292A-4263-9249-03AA30401FF7}" type="datetime1">
               <a:rPr lang="cs-CZ" smtClean="0"/>
-              <a:t>25.03.2020</a:t>
+              <a:t>10.09.2024</a:t>
             </a:fld>
             <a:endParaRPr lang="cs-CZ"/>
           </a:p>
@@ -4881,7 +4874,7 @@
           <a:p>
             <a:fld id="{CB4C4637-49AD-4C7F-BCB6-1899E8047122}" type="datetime1">
               <a:rPr lang="cs-CZ" smtClean="0"/>
-              <a:t>25.03.2020</a:t>
+              <a:t>10.09.2024</a:t>
             </a:fld>
             <a:endParaRPr lang="cs-CZ"/>
           </a:p>
@@ -5100,7 +5093,7 @@
           <a:p>
             <a:fld id="{7CC2FF82-2179-44E3-B1C8-B30BE6AFE56F}" type="datetime1">
               <a:rPr lang="cs-CZ" smtClean="0"/>
-              <a:t>25.03.2020</a:t>
+              <a:t>10.09.2024</a:t>
             </a:fld>
             <a:endParaRPr lang="cs-CZ"/>
           </a:p>
@@ -9172,10 +9165,19 @@
                 </a:solidFill>
                 <a:latin typeface="Consolas" panose="020B0609020204030204" pitchFamily="49" charset="0"/>
               </a:rPr>
-              <a:t>public</a:t>
-            </a:r>
-            <a:r>
-              <a:rPr lang="cs-CZ" sz="2400" b="1" dirty="0">
+              <a:t>p</a:t>
+            </a:r>
+            <a:r>
+              <a:rPr lang="en-US" sz="2400" b="1">
+                <a:solidFill>
+                  <a:srgbClr val="0000FF"/>
+                </a:solidFill>
+                <a:latin typeface="Consolas" panose="020B0609020204030204" pitchFamily="49" charset="0"/>
+              </a:rPr>
+              <a:t>rotected</a:t>
+            </a:r>
+            <a:r>
+              <a:rPr lang="cs-CZ" sz="2400" b="1">
                 <a:solidFill>
                   <a:srgbClr val="000000"/>
                 </a:solidFill>
@@ -9183,6 +9185,12 @@
               </a:rPr>
               <a:t>:</a:t>
             </a:r>
+            <a:endParaRPr lang="cs-CZ" sz="2400" b="1" dirty="0">
+              <a:solidFill>
+                <a:srgbClr val="000000"/>
+              </a:solidFill>
+              <a:latin typeface="Consolas" panose="020B0609020204030204" pitchFamily="49" charset="0"/>
+            </a:endParaRPr>
           </a:p>
           <a:p>
             <a:pPr lvl="1"/>
@@ -9851,7 +9859,16 @@
                 </a:solidFill>
                 <a:latin typeface="Consolas" panose="020B0609020204030204" pitchFamily="49" charset="0"/>
               </a:rPr>
-              <a:t>public</a:t>
+              <a:t>p</a:t>
+            </a:r>
+            <a:r>
+              <a:rPr lang="en-US" sz="2400" b="1" dirty="0" err="1">
+                <a:solidFill>
+                  <a:srgbClr val="0000FF"/>
+                </a:solidFill>
+                <a:latin typeface="Consolas" panose="020B0609020204030204" pitchFamily="49" charset="0"/>
+              </a:rPr>
+              <a:t>rivate</a:t>
             </a:r>
             <a:r>
               <a:rPr lang="cs-CZ" sz="2400" b="1" dirty="0">
@@ -20465,6 +20482,12 @@
 </file>
 
 <file path=customXml/item1.xml><?xml version="1.0" encoding="utf-8"?>
+<p:properties xmlns:p="http://schemas.microsoft.com/office/2006/metadata/properties" xmlns:xsi="http://www.w3.org/2001/XMLSchema-instance" xmlns:pc="http://schemas.microsoft.com/office/infopath/2007/PartnerControls">
+  <documentManagement/>
+</p:properties>
+</file>
+
+<file path=customXml/item2.xml><?xml version="1.0" encoding="utf-8"?>
 <ct:contentTypeSchema xmlns:ct="http://schemas.microsoft.com/office/2006/metadata/contentType" xmlns:ma="http://schemas.microsoft.com/office/2006/metadata/properties/metaAttributes" ct:_="" ma:_="" ma:contentTypeName="Dokument" ma:contentTypeID="0x0101008365D04BCCCB654FABB38863145F9243" ma:contentTypeVersion="10" ma:contentTypeDescription="Vytvoří nový dokument" ma:contentTypeScope="" ma:versionID="e0d73cda0e1e58f6955a7bb9f79ad378">
   <xsd:schema xmlns:xsd="http://www.w3.org/2001/XMLSchema" xmlns:xs="http://www.w3.org/2001/XMLSchema" xmlns:p="http://schemas.microsoft.com/office/2006/metadata/properties" xmlns:ns3="be1491ba-191a-468a-9e51-27abfd4363ea" xmlns:ns4="20268733-5f22-42fd-8f9d-ffbc0e994e13" targetNamespace="http://schemas.microsoft.com/office/2006/metadata/properties" ma:root="true" ma:fieldsID="ef38525286d2f72374d14ddb21a1e26e" ns3:_="" ns4:_="">
     <xsd:import namespace="be1491ba-191a-468a-9e51-27abfd4363ea"/>
@@ -20667,7 +20690,7 @@
 </ct:contentTypeSchema>
 </file>
 
-<file path=customXml/item2.xml><?xml version="1.0" encoding="utf-8"?>
+<file path=customXml/item3.xml><?xml version="1.0" encoding="utf-8"?>
 <?mso-contentType ?>
 <FormTemplates xmlns="http://schemas.microsoft.com/sharepoint/v3/contenttype/forms">
   <Display>DocumentLibraryForm</Display>
@@ -20676,13 +20699,24 @@
 </FormTemplates>
 </file>
 
-<file path=customXml/item3.xml><?xml version="1.0" encoding="utf-8"?>
-<p:properties xmlns:p="http://schemas.microsoft.com/office/2006/metadata/properties" xmlns:xsi="http://www.w3.org/2001/XMLSchema-instance" xmlns:pc="http://schemas.microsoft.com/office/infopath/2007/PartnerControls">
-  <documentManagement/>
-</p:properties>
+<file path=customXml/itemProps1.xml><?xml version="1.0" encoding="utf-8"?>
+<ds:datastoreItem xmlns:ds="http://schemas.openxmlformats.org/officeDocument/2006/customXml" ds:itemID="{11E61477-7505-47B1-BCBA-76AAD6F1E177}">
+  <ds:schemaRefs>
+    <ds:schemaRef ds:uri="http://www.w3.org/XML/1998/namespace"/>
+    <ds:schemaRef ds:uri="http://purl.org/dc/terms/"/>
+    <ds:schemaRef ds:uri="20268733-5f22-42fd-8f9d-ffbc0e994e13"/>
+    <ds:schemaRef ds:uri="http://purl.org/dc/elements/1.1/"/>
+    <ds:schemaRef ds:uri="http://purl.org/dc/dcmitype/"/>
+    <ds:schemaRef ds:uri="http://schemas.microsoft.com/office/2006/documentManagement/types"/>
+    <ds:schemaRef ds:uri="http://schemas.openxmlformats.org/package/2006/metadata/core-properties"/>
+    <ds:schemaRef ds:uri="be1491ba-191a-468a-9e51-27abfd4363ea"/>
+    <ds:schemaRef ds:uri="http://schemas.microsoft.com/office/infopath/2007/PartnerControls"/>
+    <ds:schemaRef ds:uri="http://schemas.microsoft.com/office/2006/metadata/properties"/>
+  </ds:schemaRefs>
+</ds:datastoreItem>
 </file>
 
-<file path=customXml/itemProps1.xml><?xml version="1.0" encoding="utf-8"?>
+<file path=customXml/itemProps2.xml><?xml version="1.0" encoding="utf-8"?>
 <ds:datastoreItem xmlns:ds="http://schemas.openxmlformats.org/officeDocument/2006/customXml" ds:itemID="{56964712-E031-4247-B138-A4A0B04A411D}">
   <ds:schemaRefs>
     <ds:schemaRef ds:uri="http://schemas.microsoft.com/office/2006/metadata/contentType"/>
@@ -20701,27 +20735,10 @@
 </ds:datastoreItem>
 </file>
 
-<file path=customXml/itemProps2.xml><?xml version="1.0" encoding="utf-8"?>
+<file path=customXml/itemProps3.xml><?xml version="1.0" encoding="utf-8"?>
 <ds:datastoreItem xmlns:ds="http://schemas.openxmlformats.org/officeDocument/2006/customXml" ds:itemID="{A8897847-F17E-4845-9742-9A767C40BD4A}">
   <ds:schemaRefs>
     <ds:schemaRef ds:uri="http://schemas.microsoft.com/sharepoint/v3/contenttype/forms"/>
   </ds:schemaRefs>
 </ds:datastoreItem>
-</file>
-
-<file path=customXml/itemProps3.xml><?xml version="1.0" encoding="utf-8"?>
-<ds:datastoreItem xmlns:ds="http://schemas.openxmlformats.org/officeDocument/2006/customXml" ds:itemID="{11E61477-7505-47B1-BCBA-76AAD6F1E177}">
-  <ds:schemaRefs>
-    <ds:schemaRef ds:uri="http://www.w3.org/XML/1998/namespace"/>
-    <ds:schemaRef ds:uri="http://purl.org/dc/terms/"/>
-    <ds:schemaRef ds:uri="20268733-5f22-42fd-8f9d-ffbc0e994e13"/>
-    <ds:schemaRef ds:uri="http://purl.org/dc/elements/1.1/"/>
-    <ds:schemaRef ds:uri="http://purl.org/dc/dcmitype/"/>
-    <ds:schemaRef ds:uri="http://schemas.microsoft.com/office/2006/documentManagement/types"/>
-    <ds:schemaRef ds:uri="http://schemas.openxmlformats.org/package/2006/metadata/core-properties"/>
-    <ds:schemaRef ds:uri="be1491ba-191a-468a-9e51-27abfd4363ea"/>
-    <ds:schemaRef ds:uri="http://schemas.microsoft.com/office/infopath/2007/PartnerControls"/>
-    <ds:schemaRef ds:uri="http://schemas.microsoft.com/office/2006/metadata/properties"/>
-  </ds:schemaRefs>
-</ds:datastoreItem>
 </file>
--- a/OPCPP/presentations/05_prezentace_OPR_dedicnost.pptx
+++ b/OPCPP/presentations/05_prezentace_OPR_dedicnost.pptx
@@ -9168,7 +9168,7 @@
               <a:t>p</a:t>
             </a:r>
             <a:r>
-              <a:rPr lang="en-US" sz="2400" b="1">
+              <a:rPr lang="en-US" sz="2400" b="1" dirty="0" err="1">
                 <a:solidFill>
                   <a:srgbClr val="0000FF"/>
                 </a:solidFill>
@@ -9177,7 +9177,7 @@
               <a:t>rotected</a:t>
             </a:r>
             <a:r>
-              <a:rPr lang="cs-CZ" sz="2400" b="1">
+              <a:rPr lang="cs-CZ" sz="2400" b="1" dirty="0">
                 <a:solidFill>
                   <a:srgbClr val="000000"/>
                 </a:solidFill>
@@ -9185,12 +9185,6 @@
               </a:rPr>
               <a:t>:</a:t>
             </a:r>
-            <a:endParaRPr lang="cs-CZ" sz="2400" b="1" dirty="0">
-              <a:solidFill>
-                <a:srgbClr val="000000"/>
-              </a:solidFill>
-              <a:latin typeface="Consolas" panose="020B0609020204030204" pitchFamily="49" charset="0"/>
-            </a:endParaRPr>
           </a:p>
           <a:p>
             <a:pPr lvl="1"/>
@@ -12048,7 +12042,16 @@
           </a:p>
           <a:p>
             <a:r>
-              <a:rPr lang="cs-CZ" sz="2000" dirty="0" err="1">
+              <a:rPr lang="cs-CZ" sz="2000">
+                <a:solidFill>
+                  <a:srgbClr val="000000"/>
+                </a:solidFill>
+                <a:latin typeface="Consolas" panose="020B0609020204030204" pitchFamily="49" charset="0"/>
+              </a:rPr>
+              <a:t>   </a:t>
+            </a:r>
+            <a:r>
+              <a:rPr lang="cs-CZ" sz="2000">
                 <a:solidFill>
                   <a:srgbClr val="2B91AF"/>
                 </a:solidFill>

--- a/OPCPP/presentations/05_prezentace_OPR_dedicnost.pptx
+++ b/OPCPP/presentations/05_prezentace_OPR_dedicnost.pptx
@@ -57,7 +57,7 @@
   <p:notesSz cx="6858000" cy="9144000"/>
   <p:embeddedFontLst>
     <p:embeddedFont>
-      <p:font typeface="Berlin CE" panose="020B0604020202020204"/>
+      <p:font typeface="Berlin CE"/>
       <p:regular r:id="rId48"/>
       <p:bold r:id="rId49"/>
     </p:embeddedFont>
@@ -76,7 +76,7 @@
       <p:boldItalic r:id="rId57"/>
     </p:embeddedFont>
     <p:embeddedFont>
-      <p:font typeface="Source Sans Pro Bold" panose="020B0703030403020204" charset="-18"/>
+      <p:font typeface="Source Sans Pro Bold"/>
       <p:bold r:id="rId58"/>
     </p:embeddedFont>
   </p:embeddedFontLst>
@@ -1877,7 +1877,7 @@
           <a:p>
             <a:fld id="{78D9B9CC-48FD-46F0-BE95-57B0AFA539FB}" type="datetimeFigureOut">
               <a:rPr lang="cs-CZ" smtClean="0"/>
-              <a:t>10.09.2024</a:t>
+              <a:t>15.11.2024</a:t>
             </a:fld>
             <a:endParaRPr lang="cs-CZ"/>
           </a:p>
@@ -2043,7 +2043,7 @@
           <a:p>
             <a:fld id="{36B19B4E-FAE7-4854-9018-49E74BACA333}" type="datetimeFigureOut">
               <a:rPr lang="cs-CZ" smtClean="0"/>
-              <a:t>10.09.2024</a:t>
+              <a:t>15.11.2024</a:t>
             </a:fld>
             <a:endParaRPr lang="cs-CZ"/>
           </a:p>
@@ -2625,7 +2625,7 @@
           <a:p>
             <a:fld id="{2A00D43F-1BD7-40AF-BDDD-E07D0899E91B}" type="datetime1">
               <a:rPr lang="cs-CZ" smtClean="0"/>
-              <a:t>10.09.2024</a:t>
+              <a:t>15.11.2024</a:t>
             </a:fld>
             <a:endParaRPr lang="cs-CZ"/>
           </a:p>
@@ -2798,7 +2798,7 @@
           <a:p>
             <a:fld id="{031414FA-42EF-40A4-8A89-50638B7D11A5}" type="datetime1">
               <a:rPr lang="cs-CZ" smtClean="0"/>
-              <a:t>10.09.2024</a:t>
+              <a:t>15.11.2024</a:t>
             </a:fld>
             <a:endParaRPr lang="cs-CZ"/>
           </a:p>
@@ -2981,7 +2981,7 @@
           <a:p>
             <a:fld id="{D600A421-0954-421A-BA49-D9588F09156A}" type="datetime1">
               <a:rPr lang="cs-CZ" smtClean="0"/>
-              <a:t>10.09.2024</a:t>
+              <a:t>15.11.2024</a:t>
             </a:fld>
             <a:endParaRPr lang="cs-CZ"/>
           </a:p>
@@ -3154,7 +3154,7 @@
           <a:p>
             <a:fld id="{C8CFF63A-F393-47F6-B534-43E800AB7445}" type="datetime1">
               <a:rPr lang="cs-CZ" smtClean="0"/>
-              <a:t>10.09.2024</a:t>
+              <a:t>15.11.2024</a:t>
             </a:fld>
             <a:endParaRPr lang="cs-CZ"/>
           </a:p>
@@ -3403,7 +3403,7 @@
           <a:p>
             <a:fld id="{C350E0D1-8410-4A3F-84E8-26742A190F02}" type="datetime1">
               <a:rPr lang="cs-CZ" smtClean="0"/>
-              <a:t>10.09.2024</a:t>
+              <a:t>15.11.2024</a:t>
             </a:fld>
             <a:endParaRPr lang="cs-CZ"/>
           </a:p>
@@ -3694,7 +3694,7 @@
           <a:p>
             <a:fld id="{75EC03C0-EDEF-418C-841F-64E45E8364A7}" type="datetime1">
               <a:rPr lang="cs-CZ" smtClean="0"/>
-              <a:t>10.09.2024</a:t>
+              <a:t>15.11.2024</a:t>
             </a:fld>
             <a:endParaRPr lang="cs-CZ"/>
           </a:p>
@@ -4119,7 +4119,7 @@
           <a:p>
             <a:fld id="{38711C53-9D0F-452E-AF59-9817645EC6BC}" type="datetime1">
               <a:rPr lang="cs-CZ" smtClean="0"/>
-              <a:t>10.09.2024</a:t>
+              <a:t>15.11.2024</a:t>
             </a:fld>
             <a:endParaRPr lang="cs-CZ"/>
           </a:p>
@@ -4240,7 +4240,7 @@
           <a:p>
             <a:fld id="{50C35472-8FE8-49A1-A52D-ACC4CFDAC287}" type="datetime1">
               <a:rPr lang="cs-CZ" smtClean="0"/>
-              <a:t>10.09.2024</a:t>
+              <a:t>15.11.2024</a:t>
             </a:fld>
             <a:endParaRPr lang="cs-CZ"/>
           </a:p>
@@ -4338,7 +4338,7 @@
           <a:p>
             <a:fld id="{5982F93C-1D3C-4D9D-B0F9-303D9E71AD6A}" type="datetime1">
               <a:rPr lang="cs-CZ" smtClean="0"/>
-              <a:t>10.09.2024</a:t>
+              <a:t>15.11.2024</a:t>
             </a:fld>
             <a:endParaRPr lang="cs-CZ"/>
           </a:p>
@@ -4618,7 +4618,7 @@
           <a:p>
             <a:fld id="{B3DFFE23-292A-4263-9249-03AA30401FF7}" type="datetime1">
               <a:rPr lang="cs-CZ" smtClean="0"/>
-              <a:t>10.09.2024</a:t>
+              <a:t>15.11.2024</a:t>
             </a:fld>
             <a:endParaRPr lang="cs-CZ"/>
           </a:p>
@@ -4874,7 +4874,7 @@
           <a:p>
             <a:fld id="{CB4C4637-49AD-4C7F-BCB6-1899E8047122}" type="datetime1">
               <a:rPr lang="cs-CZ" smtClean="0"/>
-              <a:t>10.09.2024</a:t>
+              <a:t>15.11.2024</a:t>
             </a:fld>
             <a:endParaRPr lang="cs-CZ"/>
           </a:p>
@@ -5093,7 +5093,7 @@
           <a:p>
             <a:fld id="{7CC2FF82-2179-44E3-B1C8-B30BE6AFE56F}" type="datetime1">
               <a:rPr lang="cs-CZ" smtClean="0"/>
-              <a:t>10.09.2024</a:t>
+              <a:t>15.11.2024</a:t>
             </a:fld>
             <a:endParaRPr lang="cs-CZ"/>
           </a:p>
@@ -19619,19 +19619,27 @@
             </a:pPr>
             <a:r>
               <a:rPr lang="cs-CZ" dirty="0"/>
-              <a:t>odvozená třída </a:t>
-            </a:r>
-            <a:r>
-              <a:rPr lang="cs-CZ" dirty="0" err="1">
+              <a:t>odvozená </a:t>
+            </a:r>
+            <a:r>
+              <a:rPr lang="cs-CZ"/>
+              <a:t>třída </a:t>
+            </a:r>
+            <a:r>
+              <a:rPr lang="cs-CZ">
                 <a:solidFill>
                   <a:srgbClr val="00B050"/>
                 </a:solidFill>
               </a:rPr>
-              <a:t>rozšířuje</a:t>
+              <a:t>rozšiřuje</a:t>
+            </a:r>
+            <a:r>
+              <a:rPr lang="cs-CZ"/>
+              <a:t> </a:t>
             </a:r>
             <a:r>
               <a:rPr lang="cs-CZ" dirty="0"/>
-              <a:t> (</a:t>
+              <a:t>(</a:t>
             </a:r>
             <a:r>
               <a:rPr lang="cs-CZ" dirty="0" err="1"/>
@@ -20485,12 +20493,21 @@
 </file>
 
 <file path=customXml/item1.xml><?xml version="1.0" encoding="utf-8"?>
+<?mso-contentType ?>
+<FormTemplates xmlns="http://schemas.microsoft.com/sharepoint/v3/contenttype/forms">
+  <Display>DocumentLibraryForm</Display>
+  <Edit>DocumentLibraryForm</Edit>
+  <New>DocumentLibraryForm</New>
+</FormTemplates>
+</file>
+
+<file path=customXml/item2.xml><?xml version="1.0" encoding="utf-8"?>
 <p:properties xmlns:p="http://schemas.microsoft.com/office/2006/metadata/properties" xmlns:xsi="http://www.w3.org/2001/XMLSchema-instance" xmlns:pc="http://schemas.microsoft.com/office/infopath/2007/PartnerControls">
   <documentManagement/>
 </p:properties>
 </file>
 
-<file path=customXml/item2.xml><?xml version="1.0" encoding="utf-8"?>
+<file path=customXml/item3.xml><?xml version="1.0" encoding="utf-8"?>
 <ct:contentTypeSchema xmlns:ct="http://schemas.microsoft.com/office/2006/metadata/contentType" xmlns:ma="http://schemas.microsoft.com/office/2006/metadata/properties/metaAttributes" ct:_="" ma:_="" ma:contentTypeName="Dokument" ma:contentTypeID="0x0101008365D04BCCCB654FABB38863145F9243" ma:contentTypeVersion="10" ma:contentTypeDescription="Vytvoří nový dokument" ma:contentTypeScope="" ma:versionID="e0d73cda0e1e58f6955a7bb9f79ad378">
   <xsd:schema xmlns:xsd="http://www.w3.org/2001/XMLSchema" xmlns:xs="http://www.w3.org/2001/XMLSchema" xmlns:p="http://schemas.microsoft.com/office/2006/metadata/properties" xmlns:ns3="be1491ba-191a-468a-9e51-27abfd4363ea" xmlns:ns4="20268733-5f22-42fd-8f9d-ffbc0e994e13" targetNamespace="http://schemas.microsoft.com/office/2006/metadata/properties" ma:root="true" ma:fieldsID="ef38525286d2f72374d14ddb21a1e26e" ns3:_="" ns4:_="">
     <xsd:import namespace="be1491ba-191a-468a-9e51-27abfd4363ea"/>
@@ -20693,16 +20710,15 @@
 </ct:contentTypeSchema>
 </file>
 
-<file path=customXml/item3.xml><?xml version="1.0" encoding="utf-8"?>
-<?mso-contentType ?>
-<FormTemplates xmlns="http://schemas.microsoft.com/sharepoint/v3/contenttype/forms">
-  <Display>DocumentLibraryForm</Display>
-  <Edit>DocumentLibraryForm</Edit>
-  <New>DocumentLibraryForm</New>
-</FormTemplates>
+<file path=customXml/itemProps1.xml><?xml version="1.0" encoding="utf-8"?>
+<ds:datastoreItem xmlns:ds="http://schemas.openxmlformats.org/officeDocument/2006/customXml" ds:itemID="{A8897847-F17E-4845-9742-9A767C40BD4A}">
+  <ds:schemaRefs>
+    <ds:schemaRef ds:uri="http://schemas.microsoft.com/sharepoint/v3/contenttype/forms"/>
+  </ds:schemaRefs>
+</ds:datastoreItem>
 </file>
 
-<file path=customXml/itemProps1.xml><?xml version="1.0" encoding="utf-8"?>
+<file path=customXml/itemProps2.xml><?xml version="1.0" encoding="utf-8"?>
 <ds:datastoreItem xmlns:ds="http://schemas.openxmlformats.org/officeDocument/2006/customXml" ds:itemID="{11E61477-7505-47B1-BCBA-76AAD6F1E177}">
   <ds:schemaRefs>
     <ds:schemaRef ds:uri="http://www.w3.org/XML/1998/namespace"/>
@@ -20719,7 +20735,7 @@
 </ds:datastoreItem>
 </file>
 
-<file path=customXml/itemProps2.xml><?xml version="1.0" encoding="utf-8"?>
+<file path=customXml/itemProps3.xml><?xml version="1.0" encoding="utf-8"?>
 <ds:datastoreItem xmlns:ds="http://schemas.openxmlformats.org/officeDocument/2006/customXml" ds:itemID="{56964712-E031-4247-B138-A4A0B04A411D}">
   <ds:schemaRefs>
     <ds:schemaRef ds:uri="http://schemas.microsoft.com/office/2006/metadata/contentType"/>
@@ -20736,12 +20752,4 @@
     <ds:schemaRef ds:uri="http://schemas.microsoft.com/internal/obd"/>
   </ds:schemaRefs>
 </ds:datastoreItem>
-</file>
-
-<file path=customXml/itemProps3.xml><?xml version="1.0" encoding="utf-8"?>
-<ds:datastoreItem xmlns:ds="http://schemas.openxmlformats.org/officeDocument/2006/customXml" ds:itemID="{A8897847-F17E-4845-9742-9A767C40BD4A}">
-  <ds:schemaRefs>
-    <ds:schemaRef ds:uri="http://schemas.microsoft.com/sharepoint/v3/contenttype/forms"/>
-  </ds:schemaRefs>
-</ds:datastoreItem>
 </file>